--- a/CryptoFundDueDiligence/reports/Bitcoin_Momentum_Opportunities_Fund_DueDiligence_20250425_145057.pptx
+++ b/CryptoFundDueDiligence/reports/Bitcoin_Momentum_Opportunities_Fund_DueDiligence_20250425_145057.pptx
@@ -5472,7 +5472,7 @@
                 <a:latin typeface="Segoe UI"/>
               </a:defRPr>
             </a:pPr>
-            <a:endParaRPr/>
+            <a:endParaRPr dirty="0"/>
           </a:p>
           <a:p>
             <a:pPr>
@@ -5482,6 +5482,7 @@
               <a:defRPr sz="1600" b="1"/>
             </a:pPr>
             <a:r>
+              <a:rPr dirty="0"/>
               <a:t>Overall Assessment: N/A</a:t>
             </a:r>
           </a:p>
@@ -5493,6 +5494,7 @@
               <a:defRPr sz="1200"/>
             </a:pPr>
             <a:r>
+              <a:rPr dirty="0"/>
               <a:t>The Bitcoin Momentum Opportunities Fund presents a medium risk level and partial compliance level. Its most significant strength is its clear and concentrated investment strategy, while its most significant concern is the high portfolio asset concentration. The fund's overall profile raises caution due to significant regulatory gaps and high-risk factors. In conclusion, the Bitcoin Momentum Opportunities Fund requires caution, as its specialized approach and defined risk level are offset by notable concerns regarding asset concentration and incomplete regulatory registrations.</a:t>
             </a:r>
           </a:p>
@@ -5504,7 +5506,7 @@
               <a:defRPr sz="1200"/>
             </a:pPr>
             <a:r>
-              <a:rPr b="1">
+              <a:rPr b="1" dirty="0">
                 <a:solidFill>
                   <a:srgbClr val="FFCC00"/>
                 </a:solidFill>
@@ -5512,6 +5514,7 @@
               <a:t>Risk: Medium (50.0)</a:t>
             </a:r>
             <a:r>
+              <a:rPr dirty="0"/>
               <a:t>  |  </a:t>
             </a:r>
           </a:p>
@@ -6574,7 +6577,12 @@
             <p:ph type="title"/>
           </p:nvPr>
         </p:nvSpPr>
-        <p:spPr/>
+        <p:spPr>
+          <a:xfrm>
+            <a:off x="623582" y="239291"/>
+            <a:ext cx="8704811" cy="590839"/>
+          </a:xfrm>
+        </p:spPr>
         <p:txBody>
           <a:bodyPr wrap="square" anchor="t"/>
           <a:lstStyle/>
@@ -8710,6 +8718,7 @@
                         </a:defRPr>
                       </a:pPr>
                       <a:r>
+                        <a:rPr dirty="0"/>
                         <a:t>Singapore</a:t>
                       </a:r>
                     </a:p>
@@ -8910,6 +8919,7 @@
                         </a:defRPr>
                       </a:pPr>
                       <a:r>
+                        <a:rPr dirty="0"/>
                         <a:t>40.0%</a:t>
                       </a:r>
                     </a:p>
@@ -8991,7 +9001,7 @@
         </p:nvSpPr>
         <p:spPr>
           <a:xfrm>
-            <a:off x="457200" y="1188720"/>
+            <a:off x="390088" y="1473945"/>
             <a:ext cx="11277600" cy="5212080"/>
           </a:xfrm>
           <a:prstGeom prst="rect">
